--- a/src/pf-main/pages/skillsScreen/images/Presentation1.pptx
+++ b/src/pf-main/pages/skillsScreen/images/Presentation1.pptx
@@ -1,11 +1,11 @@
 
 <file path=ppt/presentation.xml><?xml version="1.0" encoding="utf-8"?>
-<p:presentation xmlns:a="http://schemas.openxmlformats.org/drawingml/2006/main" xmlns:r="http://schemas.openxmlformats.org/officeDocument/2006/relationships" xmlns:p="http://schemas.openxmlformats.org/presentationml/2006/main" saveSubsetFonts="1">
+<p:presentation xmlns:a="http://schemas.openxmlformats.org/drawingml/2006/main" xmlns:r="http://schemas.openxmlformats.org/officeDocument/2006/relationships" xmlns:p="http://schemas.openxmlformats.org/presentationml/2006/main">
   <p:sldMasterIdLst>
     <p:sldMasterId id="2147483648" r:id="rId1"/>
   </p:sldMasterIdLst>
   <p:sldIdLst>
-    <p:sldId id="256" r:id="rId2"/>
+    <p:sldId id="256" r:id="rId3"/>
   </p:sldIdLst>
   <p:sldSz cx="12192000" cy="6858000"/>
   <p:notesSz cx="6858000" cy="9144000"/>
@@ -126,13 +126,7 @@
       </p:grpSpPr>
       <p:sp>
         <p:nvSpPr>
-          <p:cNvPr id="2" name="Title 1">
-            <a:extLst>
-              <a:ext uri="{FF2B5EF4-FFF2-40B4-BE49-F238E27FC236}">
-                <a16:creationId xmlns:a16="http://schemas.microsoft.com/office/drawing/2014/main" id="{B30D93DD-9193-8369-2701-D89E99E49A6A}"/>
-              </a:ext>
-            </a:extLst>
-          </p:cNvPr>
+          <p:cNvPr id="2" name="Title 1"/>
           <p:cNvSpPr>
             <a:spLocks noGrp="1"/>
           </p:cNvSpPr>
@@ -158,18 +152,13 @@
               <a:rPr lang="en-US"/>
               <a:t>Click to edit Master title style</a:t>
             </a:r>
-          </a:p>
-        </p:txBody>
-      </p:sp>
-      <p:sp>
-        <p:nvSpPr>
-          <p:cNvPr id="3" name="Subtitle 2">
-            <a:extLst>
-              <a:ext uri="{FF2B5EF4-FFF2-40B4-BE49-F238E27FC236}">
-                <a16:creationId xmlns:a16="http://schemas.microsoft.com/office/drawing/2014/main" id="{970A94DA-E02D-0E13-BD26-1BE7BE92F316}"/>
-              </a:ext>
-            </a:extLst>
-          </p:cNvPr>
+            <a:endParaRPr lang="en-US"/>
+          </a:p>
+        </p:txBody>
+      </p:sp>
+      <p:sp>
+        <p:nvSpPr>
+          <p:cNvPr id="3" name="Subtitle 2"/>
           <p:cNvSpPr>
             <a:spLocks noGrp="1"/>
           </p:cNvSpPr>
@@ -228,18 +217,13 @@
               <a:rPr lang="en-US"/>
               <a:t>Click to edit Master subtitle style</a:t>
             </a:r>
-          </a:p>
-        </p:txBody>
-      </p:sp>
-      <p:sp>
-        <p:nvSpPr>
-          <p:cNvPr id="4" name="Date Placeholder 3">
-            <a:extLst>
-              <a:ext uri="{FF2B5EF4-FFF2-40B4-BE49-F238E27FC236}">
-                <a16:creationId xmlns:a16="http://schemas.microsoft.com/office/drawing/2014/main" id="{19F5855E-2F6B-AA12-51B0-9A65428086DF}"/>
-              </a:ext>
-            </a:extLst>
-          </p:cNvPr>
+            <a:endParaRPr lang="en-US"/>
+          </a:p>
+        </p:txBody>
+      </p:sp>
+      <p:sp>
+        <p:nvSpPr>
+          <p:cNvPr id="4" name="Date Placeholder 3"/>
           <p:cNvSpPr>
             <a:spLocks noGrp="1"/>
           </p:cNvSpPr>
@@ -254,7 +238,6 @@
           <a:p>
             <a:fld id="{3737345B-F4BB-42A4-8CDE-F7A2E742823C}" type="datetimeFigureOut">
               <a:rPr lang="en-US" smtClean="0"/>
-              <a:t>12/13/2023</a:t>
             </a:fld>
             <a:endParaRPr lang="en-US"/>
           </a:p>
@@ -262,13 +245,7 @@
       </p:sp>
       <p:sp>
         <p:nvSpPr>
-          <p:cNvPr id="5" name="Footer Placeholder 4">
-            <a:extLst>
-              <a:ext uri="{FF2B5EF4-FFF2-40B4-BE49-F238E27FC236}">
-                <a16:creationId xmlns:a16="http://schemas.microsoft.com/office/drawing/2014/main" id="{CB0F3134-6F4C-64F2-D35A-80F837E55E0E}"/>
-              </a:ext>
-            </a:extLst>
-          </p:cNvPr>
+          <p:cNvPr id="5" name="Footer Placeholder 4"/>
           <p:cNvSpPr>
             <a:spLocks noGrp="1"/>
           </p:cNvSpPr>
@@ -287,13 +264,7 @@
       </p:sp>
       <p:sp>
         <p:nvSpPr>
-          <p:cNvPr id="6" name="Slide Number Placeholder 5">
-            <a:extLst>
-              <a:ext uri="{FF2B5EF4-FFF2-40B4-BE49-F238E27FC236}">
-                <a16:creationId xmlns:a16="http://schemas.microsoft.com/office/drawing/2014/main" id="{4E299A60-742E-935D-958C-390F98DB34C0}"/>
-              </a:ext>
-            </a:extLst>
-          </p:cNvPr>
+          <p:cNvPr id="6" name="Slide Number Placeholder 5"/>
           <p:cNvSpPr>
             <a:spLocks noGrp="1"/>
           </p:cNvSpPr>
@@ -308,18 +279,12 @@
           <a:p>
             <a:fld id="{F42D3FB4-41A9-4B19-989D-A95A1726C9A3}" type="slidenum">
               <a:rPr lang="en-US" smtClean="0"/>
-              <a:t>‹#›</a:t>
             </a:fld>
             <a:endParaRPr lang="en-US"/>
           </a:p>
         </p:txBody>
       </p:sp>
     </p:spTree>
-    <p:extLst>
-      <p:ext uri="{BB962C8B-B14F-4D97-AF65-F5344CB8AC3E}">
-        <p14:creationId xmlns:p14="http://schemas.microsoft.com/office/powerpoint/2010/main" val="2084513400"/>
-      </p:ext>
-    </p:extLst>
   </p:cSld>
   <p:clrMapOvr>
     <a:masterClrMapping/>
@@ -346,13 +311,7 @@
       </p:grpSpPr>
       <p:sp>
         <p:nvSpPr>
-          <p:cNvPr id="2" name="Title 1">
-            <a:extLst>
-              <a:ext uri="{FF2B5EF4-FFF2-40B4-BE49-F238E27FC236}">
-                <a16:creationId xmlns:a16="http://schemas.microsoft.com/office/drawing/2014/main" id="{8FE012C9-6BCE-DB5A-CC13-CA54D491B93D}"/>
-              </a:ext>
-            </a:extLst>
-          </p:cNvPr>
+          <p:cNvPr id="2" name="Title 1"/>
           <p:cNvSpPr>
             <a:spLocks noGrp="1"/>
           </p:cNvSpPr>
@@ -369,18 +328,13 @@
               <a:rPr lang="en-US"/>
               <a:t>Click to edit Master title style</a:t>
             </a:r>
-          </a:p>
-        </p:txBody>
-      </p:sp>
-      <p:sp>
-        <p:nvSpPr>
-          <p:cNvPr id="3" name="Vertical Text Placeholder 2">
-            <a:extLst>
-              <a:ext uri="{FF2B5EF4-FFF2-40B4-BE49-F238E27FC236}">
-                <a16:creationId xmlns:a16="http://schemas.microsoft.com/office/drawing/2014/main" id="{922F789C-3B90-FBC8-8B14-0FF462E73186}"/>
-              </a:ext>
-            </a:extLst>
-          </p:cNvPr>
+            <a:endParaRPr lang="en-US"/>
+          </a:p>
+        </p:txBody>
+      </p:sp>
+      <p:sp>
+        <p:nvSpPr>
+          <p:cNvPr id="3" name="Vertical Text Placeholder 2"/>
           <p:cNvSpPr>
             <a:spLocks noGrp="1"/>
           </p:cNvSpPr>
@@ -398,6 +352,7 @@
               <a:rPr lang="en-US"/>
               <a:t>Click to edit Master text styles</a:t>
             </a:r>
+            <a:endParaRPr lang="en-US"/>
           </a:p>
           <a:p>
             <a:pPr lvl="1"/>
@@ -405,6 +360,7 @@
               <a:rPr lang="en-US"/>
               <a:t>Second level</a:t>
             </a:r>
+            <a:endParaRPr lang="en-US"/>
           </a:p>
           <a:p>
             <a:pPr lvl="2"/>
@@ -412,6 +368,7 @@
               <a:rPr lang="en-US"/>
               <a:t>Third level</a:t>
             </a:r>
+            <a:endParaRPr lang="en-US"/>
           </a:p>
           <a:p>
             <a:pPr lvl="3"/>
@@ -419,6 +376,7 @@
               <a:rPr lang="en-US"/>
               <a:t>Fourth level</a:t>
             </a:r>
+            <a:endParaRPr lang="en-US"/>
           </a:p>
           <a:p>
             <a:pPr lvl="4"/>
@@ -426,18 +384,13 @@
               <a:rPr lang="en-US"/>
               <a:t>Fifth level</a:t>
             </a:r>
-          </a:p>
-        </p:txBody>
-      </p:sp>
-      <p:sp>
-        <p:nvSpPr>
-          <p:cNvPr id="4" name="Date Placeholder 3">
-            <a:extLst>
-              <a:ext uri="{FF2B5EF4-FFF2-40B4-BE49-F238E27FC236}">
-                <a16:creationId xmlns:a16="http://schemas.microsoft.com/office/drawing/2014/main" id="{5437A542-5D61-A57F-F4D1-3C99704C9724}"/>
-              </a:ext>
-            </a:extLst>
-          </p:cNvPr>
+            <a:endParaRPr lang="en-US"/>
+          </a:p>
+        </p:txBody>
+      </p:sp>
+      <p:sp>
+        <p:nvSpPr>
+          <p:cNvPr id="4" name="Date Placeholder 3"/>
           <p:cNvSpPr>
             <a:spLocks noGrp="1"/>
           </p:cNvSpPr>
@@ -452,7 +405,6 @@
           <a:p>
             <a:fld id="{3737345B-F4BB-42A4-8CDE-F7A2E742823C}" type="datetimeFigureOut">
               <a:rPr lang="en-US" smtClean="0"/>
-              <a:t>12/13/2023</a:t>
             </a:fld>
             <a:endParaRPr lang="en-US"/>
           </a:p>
@@ -460,13 +412,7 @@
       </p:sp>
       <p:sp>
         <p:nvSpPr>
-          <p:cNvPr id="5" name="Footer Placeholder 4">
-            <a:extLst>
-              <a:ext uri="{FF2B5EF4-FFF2-40B4-BE49-F238E27FC236}">
-                <a16:creationId xmlns:a16="http://schemas.microsoft.com/office/drawing/2014/main" id="{9AAF5DF7-7A7B-FCB5-A4E6-9DD04AEF5CBB}"/>
-              </a:ext>
-            </a:extLst>
-          </p:cNvPr>
+          <p:cNvPr id="5" name="Footer Placeholder 4"/>
           <p:cNvSpPr>
             <a:spLocks noGrp="1"/>
           </p:cNvSpPr>
@@ -485,13 +431,7 @@
       </p:sp>
       <p:sp>
         <p:nvSpPr>
-          <p:cNvPr id="6" name="Slide Number Placeholder 5">
-            <a:extLst>
-              <a:ext uri="{FF2B5EF4-FFF2-40B4-BE49-F238E27FC236}">
-                <a16:creationId xmlns:a16="http://schemas.microsoft.com/office/drawing/2014/main" id="{51ED93D5-BAD6-5172-0A85-0B49938BD77F}"/>
-              </a:ext>
-            </a:extLst>
-          </p:cNvPr>
+          <p:cNvPr id="6" name="Slide Number Placeholder 5"/>
           <p:cNvSpPr>
             <a:spLocks noGrp="1"/>
           </p:cNvSpPr>
@@ -506,18 +446,12 @@
           <a:p>
             <a:fld id="{F42D3FB4-41A9-4B19-989D-A95A1726C9A3}" type="slidenum">
               <a:rPr lang="en-US" smtClean="0"/>
-              <a:t>‹#›</a:t>
             </a:fld>
             <a:endParaRPr lang="en-US"/>
           </a:p>
         </p:txBody>
       </p:sp>
     </p:spTree>
-    <p:extLst>
-      <p:ext uri="{BB962C8B-B14F-4D97-AF65-F5344CB8AC3E}">
-        <p14:creationId xmlns:p14="http://schemas.microsoft.com/office/powerpoint/2010/main" val="746114121"/>
-      </p:ext>
-    </p:extLst>
   </p:cSld>
   <p:clrMapOvr>
     <a:masterClrMapping/>
@@ -544,13 +478,7 @@
       </p:grpSpPr>
       <p:sp>
         <p:nvSpPr>
-          <p:cNvPr id="2" name="Vertical Title 1">
-            <a:extLst>
-              <a:ext uri="{FF2B5EF4-FFF2-40B4-BE49-F238E27FC236}">
-                <a16:creationId xmlns:a16="http://schemas.microsoft.com/office/drawing/2014/main" id="{27287544-74A8-A2A5-1754-245C2F5A4C98}"/>
-              </a:ext>
-            </a:extLst>
-          </p:cNvPr>
+          <p:cNvPr id="2" name="Vertical Title 1"/>
           <p:cNvSpPr>
             <a:spLocks noGrp="1"/>
           </p:cNvSpPr>
@@ -572,18 +500,13 @@
               <a:rPr lang="en-US"/>
               <a:t>Click to edit Master title style</a:t>
             </a:r>
-          </a:p>
-        </p:txBody>
-      </p:sp>
-      <p:sp>
-        <p:nvSpPr>
-          <p:cNvPr id="3" name="Vertical Text Placeholder 2">
-            <a:extLst>
-              <a:ext uri="{FF2B5EF4-FFF2-40B4-BE49-F238E27FC236}">
-                <a16:creationId xmlns:a16="http://schemas.microsoft.com/office/drawing/2014/main" id="{EEAC6354-8447-9B92-93C2-0958FB1FB4EC}"/>
-              </a:ext>
-            </a:extLst>
-          </p:cNvPr>
+            <a:endParaRPr lang="en-US"/>
+          </a:p>
+        </p:txBody>
+      </p:sp>
+      <p:sp>
+        <p:nvSpPr>
+          <p:cNvPr id="3" name="Vertical Text Placeholder 2"/>
           <p:cNvSpPr>
             <a:spLocks noGrp="1"/>
           </p:cNvSpPr>
@@ -606,6 +529,7 @@
               <a:rPr lang="en-US"/>
               <a:t>Click to edit Master text styles</a:t>
             </a:r>
+            <a:endParaRPr lang="en-US"/>
           </a:p>
           <a:p>
             <a:pPr lvl="1"/>
@@ -613,6 +537,7 @@
               <a:rPr lang="en-US"/>
               <a:t>Second level</a:t>
             </a:r>
+            <a:endParaRPr lang="en-US"/>
           </a:p>
           <a:p>
             <a:pPr lvl="2"/>
@@ -620,6 +545,7 @@
               <a:rPr lang="en-US"/>
               <a:t>Third level</a:t>
             </a:r>
+            <a:endParaRPr lang="en-US"/>
           </a:p>
           <a:p>
             <a:pPr lvl="3"/>
@@ -627,6 +553,7 @@
               <a:rPr lang="en-US"/>
               <a:t>Fourth level</a:t>
             </a:r>
+            <a:endParaRPr lang="en-US"/>
           </a:p>
           <a:p>
             <a:pPr lvl="4"/>
@@ -634,18 +561,13 @@
               <a:rPr lang="en-US"/>
               <a:t>Fifth level</a:t>
             </a:r>
-          </a:p>
-        </p:txBody>
-      </p:sp>
-      <p:sp>
-        <p:nvSpPr>
-          <p:cNvPr id="4" name="Date Placeholder 3">
-            <a:extLst>
-              <a:ext uri="{FF2B5EF4-FFF2-40B4-BE49-F238E27FC236}">
-                <a16:creationId xmlns:a16="http://schemas.microsoft.com/office/drawing/2014/main" id="{D7B4C49C-D2C0-551B-C2C6-5B9C93A805FB}"/>
-              </a:ext>
-            </a:extLst>
-          </p:cNvPr>
+            <a:endParaRPr lang="en-US"/>
+          </a:p>
+        </p:txBody>
+      </p:sp>
+      <p:sp>
+        <p:nvSpPr>
+          <p:cNvPr id="4" name="Date Placeholder 3"/>
           <p:cNvSpPr>
             <a:spLocks noGrp="1"/>
           </p:cNvSpPr>
@@ -660,7 +582,6 @@
           <a:p>
             <a:fld id="{3737345B-F4BB-42A4-8CDE-F7A2E742823C}" type="datetimeFigureOut">
               <a:rPr lang="en-US" smtClean="0"/>
-              <a:t>12/13/2023</a:t>
             </a:fld>
             <a:endParaRPr lang="en-US"/>
           </a:p>
@@ -668,13 +589,7 @@
       </p:sp>
       <p:sp>
         <p:nvSpPr>
-          <p:cNvPr id="5" name="Footer Placeholder 4">
-            <a:extLst>
-              <a:ext uri="{FF2B5EF4-FFF2-40B4-BE49-F238E27FC236}">
-                <a16:creationId xmlns:a16="http://schemas.microsoft.com/office/drawing/2014/main" id="{5F6CFB3A-3496-5975-EA48-2CA785BABB07}"/>
-              </a:ext>
-            </a:extLst>
-          </p:cNvPr>
+          <p:cNvPr id="5" name="Footer Placeholder 4"/>
           <p:cNvSpPr>
             <a:spLocks noGrp="1"/>
           </p:cNvSpPr>
@@ -693,13 +608,7 @@
       </p:sp>
       <p:sp>
         <p:nvSpPr>
-          <p:cNvPr id="6" name="Slide Number Placeholder 5">
-            <a:extLst>
-              <a:ext uri="{FF2B5EF4-FFF2-40B4-BE49-F238E27FC236}">
-                <a16:creationId xmlns:a16="http://schemas.microsoft.com/office/drawing/2014/main" id="{E47A662C-5E71-7C6F-9421-041CBECEF985}"/>
-              </a:ext>
-            </a:extLst>
-          </p:cNvPr>
+          <p:cNvPr id="6" name="Slide Number Placeholder 5"/>
           <p:cNvSpPr>
             <a:spLocks noGrp="1"/>
           </p:cNvSpPr>
@@ -714,18 +623,12 @@
           <a:p>
             <a:fld id="{F42D3FB4-41A9-4B19-989D-A95A1726C9A3}" type="slidenum">
               <a:rPr lang="en-US" smtClean="0"/>
-              <a:t>‹#›</a:t>
             </a:fld>
             <a:endParaRPr lang="en-US"/>
           </a:p>
         </p:txBody>
       </p:sp>
     </p:spTree>
-    <p:extLst>
-      <p:ext uri="{BB962C8B-B14F-4D97-AF65-F5344CB8AC3E}">
-        <p14:creationId xmlns:p14="http://schemas.microsoft.com/office/powerpoint/2010/main" val="4198332337"/>
-      </p:ext>
-    </p:extLst>
   </p:cSld>
   <p:clrMapOvr>
     <a:masterClrMapping/>
@@ -752,13 +655,7 @@
       </p:grpSpPr>
       <p:sp>
         <p:nvSpPr>
-          <p:cNvPr id="2" name="Title 1">
-            <a:extLst>
-              <a:ext uri="{FF2B5EF4-FFF2-40B4-BE49-F238E27FC236}">
-                <a16:creationId xmlns:a16="http://schemas.microsoft.com/office/drawing/2014/main" id="{F8C4CAC1-12AB-A5C5-4BA5-2FFDBD5E64B2}"/>
-              </a:ext>
-            </a:extLst>
-          </p:cNvPr>
+          <p:cNvPr id="2" name="Title 1"/>
           <p:cNvSpPr>
             <a:spLocks noGrp="1"/>
           </p:cNvSpPr>
@@ -775,18 +672,13 @@
               <a:rPr lang="en-US"/>
               <a:t>Click to edit Master title style</a:t>
             </a:r>
-          </a:p>
-        </p:txBody>
-      </p:sp>
-      <p:sp>
-        <p:nvSpPr>
-          <p:cNvPr id="3" name="Content Placeholder 2">
-            <a:extLst>
-              <a:ext uri="{FF2B5EF4-FFF2-40B4-BE49-F238E27FC236}">
-                <a16:creationId xmlns:a16="http://schemas.microsoft.com/office/drawing/2014/main" id="{A17AE468-6194-FAE5-ED75-9C1C8ECC9E27}"/>
-              </a:ext>
-            </a:extLst>
-          </p:cNvPr>
+            <a:endParaRPr lang="en-US"/>
+          </a:p>
+        </p:txBody>
+      </p:sp>
+      <p:sp>
+        <p:nvSpPr>
+          <p:cNvPr id="3" name="Content Placeholder 2"/>
           <p:cNvSpPr>
             <a:spLocks noGrp="1"/>
           </p:cNvSpPr>
@@ -804,6 +696,7 @@
               <a:rPr lang="en-US"/>
               <a:t>Click to edit Master text styles</a:t>
             </a:r>
+            <a:endParaRPr lang="en-US"/>
           </a:p>
           <a:p>
             <a:pPr lvl="1"/>
@@ -811,6 +704,7 @@
               <a:rPr lang="en-US"/>
               <a:t>Second level</a:t>
             </a:r>
+            <a:endParaRPr lang="en-US"/>
           </a:p>
           <a:p>
             <a:pPr lvl="2"/>
@@ -818,6 +712,7 @@
               <a:rPr lang="en-US"/>
               <a:t>Third level</a:t>
             </a:r>
+            <a:endParaRPr lang="en-US"/>
           </a:p>
           <a:p>
             <a:pPr lvl="3"/>
@@ -825,6 +720,7 @@
               <a:rPr lang="en-US"/>
               <a:t>Fourth level</a:t>
             </a:r>
+            <a:endParaRPr lang="en-US"/>
           </a:p>
           <a:p>
             <a:pPr lvl="4"/>
@@ -832,18 +728,13 @@
               <a:rPr lang="en-US"/>
               <a:t>Fifth level</a:t>
             </a:r>
-          </a:p>
-        </p:txBody>
-      </p:sp>
-      <p:sp>
-        <p:nvSpPr>
-          <p:cNvPr id="4" name="Date Placeholder 3">
-            <a:extLst>
-              <a:ext uri="{FF2B5EF4-FFF2-40B4-BE49-F238E27FC236}">
-                <a16:creationId xmlns:a16="http://schemas.microsoft.com/office/drawing/2014/main" id="{98EEC67C-A6B4-AED9-4C98-932A6971372F}"/>
-              </a:ext>
-            </a:extLst>
-          </p:cNvPr>
+            <a:endParaRPr lang="en-US"/>
+          </a:p>
+        </p:txBody>
+      </p:sp>
+      <p:sp>
+        <p:nvSpPr>
+          <p:cNvPr id="4" name="Date Placeholder 3"/>
           <p:cNvSpPr>
             <a:spLocks noGrp="1"/>
           </p:cNvSpPr>
@@ -858,7 +749,6 @@
           <a:p>
             <a:fld id="{3737345B-F4BB-42A4-8CDE-F7A2E742823C}" type="datetimeFigureOut">
               <a:rPr lang="en-US" smtClean="0"/>
-              <a:t>12/13/2023</a:t>
             </a:fld>
             <a:endParaRPr lang="en-US"/>
           </a:p>
@@ -866,13 +756,7 @@
       </p:sp>
       <p:sp>
         <p:nvSpPr>
-          <p:cNvPr id="5" name="Footer Placeholder 4">
-            <a:extLst>
-              <a:ext uri="{FF2B5EF4-FFF2-40B4-BE49-F238E27FC236}">
-                <a16:creationId xmlns:a16="http://schemas.microsoft.com/office/drawing/2014/main" id="{7A3A805B-A8A4-EF87-ECE8-6B62140AFDA4}"/>
-              </a:ext>
-            </a:extLst>
-          </p:cNvPr>
+          <p:cNvPr id="5" name="Footer Placeholder 4"/>
           <p:cNvSpPr>
             <a:spLocks noGrp="1"/>
           </p:cNvSpPr>
@@ -891,13 +775,7 @@
       </p:sp>
       <p:sp>
         <p:nvSpPr>
-          <p:cNvPr id="6" name="Slide Number Placeholder 5">
-            <a:extLst>
-              <a:ext uri="{FF2B5EF4-FFF2-40B4-BE49-F238E27FC236}">
-                <a16:creationId xmlns:a16="http://schemas.microsoft.com/office/drawing/2014/main" id="{364C539E-CBB8-1910-FA33-C889357664E5}"/>
-              </a:ext>
-            </a:extLst>
-          </p:cNvPr>
+          <p:cNvPr id="6" name="Slide Number Placeholder 5"/>
           <p:cNvSpPr>
             <a:spLocks noGrp="1"/>
           </p:cNvSpPr>
@@ -912,18 +790,12 @@
           <a:p>
             <a:fld id="{F42D3FB4-41A9-4B19-989D-A95A1726C9A3}" type="slidenum">
               <a:rPr lang="en-US" smtClean="0"/>
-              <a:t>‹#›</a:t>
             </a:fld>
             <a:endParaRPr lang="en-US"/>
           </a:p>
         </p:txBody>
       </p:sp>
     </p:spTree>
-    <p:extLst>
-      <p:ext uri="{BB962C8B-B14F-4D97-AF65-F5344CB8AC3E}">
-        <p14:creationId xmlns:p14="http://schemas.microsoft.com/office/powerpoint/2010/main" val="2761694926"/>
-      </p:ext>
-    </p:extLst>
   </p:cSld>
   <p:clrMapOvr>
     <a:masterClrMapping/>
@@ -950,13 +822,7 @@
       </p:grpSpPr>
       <p:sp>
         <p:nvSpPr>
-          <p:cNvPr id="2" name="Title 1">
-            <a:extLst>
-              <a:ext uri="{FF2B5EF4-FFF2-40B4-BE49-F238E27FC236}">
-                <a16:creationId xmlns:a16="http://schemas.microsoft.com/office/drawing/2014/main" id="{2847037F-4B44-8500-DDCB-6165173D6947}"/>
-              </a:ext>
-            </a:extLst>
-          </p:cNvPr>
+          <p:cNvPr id="2" name="Title 1"/>
           <p:cNvSpPr>
             <a:spLocks noGrp="1"/>
           </p:cNvSpPr>
@@ -982,18 +848,13 @@
               <a:rPr lang="en-US"/>
               <a:t>Click to edit Master title style</a:t>
             </a:r>
-          </a:p>
-        </p:txBody>
-      </p:sp>
-      <p:sp>
-        <p:nvSpPr>
-          <p:cNvPr id="3" name="Text Placeholder 2">
-            <a:extLst>
-              <a:ext uri="{FF2B5EF4-FFF2-40B4-BE49-F238E27FC236}">
-                <a16:creationId xmlns:a16="http://schemas.microsoft.com/office/drawing/2014/main" id="{A624FCEC-41C8-0930-7D0D-2E498FE104AF}"/>
-              </a:ext>
-            </a:extLst>
-          </p:cNvPr>
+            <a:endParaRPr lang="en-US"/>
+          </a:p>
+        </p:txBody>
+      </p:sp>
+      <p:sp>
+        <p:nvSpPr>
+          <p:cNvPr id="3" name="Text Placeholder 2"/>
           <p:cNvSpPr>
             <a:spLocks noGrp="1"/>
           </p:cNvSpPr>
@@ -1107,18 +968,13 @@
               <a:rPr lang="en-US"/>
               <a:t>Click to edit Master text styles</a:t>
             </a:r>
-          </a:p>
-        </p:txBody>
-      </p:sp>
-      <p:sp>
-        <p:nvSpPr>
-          <p:cNvPr id="4" name="Date Placeholder 3">
-            <a:extLst>
-              <a:ext uri="{FF2B5EF4-FFF2-40B4-BE49-F238E27FC236}">
-                <a16:creationId xmlns:a16="http://schemas.microsoft.com/office/drawing/2014/main" id="{34C2A1F5-061A-CF03-E1C9-22374F6D206E}"/>
-              </a:ext>
-            </a:extLst>
-          </p:cNvPr>
+            <a:endParaRPr lang="en-US"/>
+          </a:p>
+        </p:txBody>
+      </p:sp>
+      <p:sp>
+        <p:nvSpPr>
+          <p:cNvPr id="4" name="Date Placeholder 3"/>
           <p:cNvSpPr>
             <a:spLocks noGrp="1"/>
           </p:cNvSpPr>
@@ -1133,7 +989,6 @@
           <a:p>
             <a:fld id="{3737345B-F4BB-42A4-8CDE-F7A2E742823C}" type="datetimeFigureOut">
               <a:rPr lang="en-US" smtClean="0"/>
-              <a:t>12/13/2023</a:t>
             </a:fld>
             <a:endParaRPr lang="en-US"/>
           </a:p>
@@ -1141,13 +996,7 @@
       </p:sp>
       <p:sp>
         <p:nvSpPr>
-          <p:cNvPr id="5" name="Footer Placeholder 4">
-            <a:extLst>
-              <a:ext uri="{FF2B5EF4-FFF2-40B4-BE49-F238E27FC236}">
-                <a16:creationId xmlns:a16="http://schemas.microsoft.com/office/drawing/2014/main" id="{49494423-5A08-27A1-66CE-9E85ED1166C7}"/>
-              </a:ext>
-            </a:extLst>
-          </p:cNvPr>
+          <p:cNvPr id="5" name="Footer Placeholder 4"/>
           <p:cNvSpPr>
             <a:spLocks noGrp="1"/>
           </p:cNvSpPr>
@@ -1166,13 +1015,7 @@
       </p:sp>
       <p:sp>
         <p:nvSpPr>
-          <p:cNvPr id="6" name="Slide Number Placeholder 5">
-            <a:extLst>
-              <a:ext uri="{FF2B5EF4-FFF2-40B4-BE49-F238E27FC236}">
-                <a16:creationId xmlns:a16="http://schemas.microsoft.com/office/drawing/2014/main" id="{156B92A0-D6F1-373A-707A-3F16335D2B5F}"/>
-              </a:ext>
-            </a:extLst>
-          </p:cNvPr>
+          <p:cNvPr id="6" name="Slide Number Placeholder 5"/>
           <p:cNvSpPr>
             <a:spLocks noGrp="1"/>
           </p:cNvSpPr>
@@ -1187,18 +1030,12 @@
           <a:p>
             <a:fld id="{F42D3FB4-41A9-4B19-989D-A95A1726C9A3}" type="slidenum">
               <a:rPr lang="en-US" smtClean="0"/>
-              <a:t>‹#›</a:t>
             </a:fld>
             <a:endParaRPr lang="en-US"/>
           </a:p>
         </p:txBody>
       </p:sp>
     </p:spTree>
-    <p:extLst>
-      <p:ext uri="{BB962C8B-B14F-4D97-AF65-F5344CB8AC3E}">
-        <p14:creationId xmlns:p14="http://schemas.microsoft.com/office/powerpoint/2010/main" val="3090030780"/>
-      </p:ext>
-    </p:extLst>
   </p:cSld>
   <p:clrMapOvr>
     <a:masterClrMapping/>
@@ -1225,13 +1062,7 @@
       </p:grpSpPr>
       <p:sp>
         <p:nvSpPr>
-          <p:cNvPr id="2" name="Title 1">
-            <a:extLst>
-              <a:ext uri="{FF2B5EF4-FFF2-40B4-BE49-F238E27FC236}">
-                <a16:creationId xmlns:a16="http://schemas.microsoft.com/office/drawing/2014/main" id="{9379F254-4CCD-A7AD-0770-7921C66E3953}"/>
-              </a:ext>
-            </a:extLst>
-          </p:cNvPr>
+          <p:cNvPr id="2" name="Title 1"/>
           <p:cNvSpPr>
             <a:spLocks noGrp="1"/>
           </p:cNvSpPr>
@@ -1248,18 +1079,13 @@
               <a:rPr lang="en-US"/>
               <a:t>Click to edit Master title style</a:t>
             </a:r>
-          </a:p>
-        </p:txBody>
-      </p:sp>
-      <p:sp>
-        <p:nvSpPr>
-          <p:cNvPr id="3" name="Content Placeholder 2">
-            <a:extLst>
-              <a:ext uri="{FF2B5EF4-FFF2-40B4-BE49-F238E27FC236}">
-                <a16:creationId xmlns:a16="http://schemas.microsoft.com/office/drawing/2014/main" id="{FDC68DC5-9E69-6763-F0A0-85C5BC8DC867}"/>
-              </a:ext>
-            </a:extLst>
-          </p:cNvPr>
+            <a:endParaRPr lang="en-US"/>
+          </a:p>
+        </p:txBody>
+      </p:sp>
+      <p:sp>
+        <p:nvSpPr>
+          <p:cNvPr id="3" name="Content Placeholder 2"/>
           <p:cNvSpPr>
             <a:spLocks noGrp="1"/>
           </p:cNvSpPr>
@@ -1282,6 +1108,7 @@
               <a:rPr lang="en-US"/>
               <a:t>Click to edit Master text styles</a:t>
             </a:r>
+            <a:endParaRPr lang="en-US"/>
           </a:p>
           <a:p>
             <a:pPr lvl="1"/>
@@ -1289,6 +1116,7 @@
               <a:rPr lang="en-US"/>
               <a:t>Second level</a:t>
             </a:r>
+            <a:endParaRPr lang="en-US"/>
           </a:p>
           <a:p>
             <a:pPr lvl="2"/>
@@ -1296,6 +1124,7 @@
               <a:rPr lang="en-US"/>
               <a:t>Third level</a:t>
             </a:r>
+            <a:endParaRPr lang="en-US"/>
           </a:p>
           <a:p>
             <a:pPr lvl="3"/>
@@ -1303,6 +1132,7 @@
               <a:rPr lang="en-US"/>
               <a:t>Fourth level</a:t>
             </a:r>
+            <a:endParaRPr lang="en-US"/>
           </a:p>
           <a:p>
             <a:pPr lvl="4"/>
@@ -1310,18 +1140,13 @@
               <a:rPr lang="en-US"/>
               <a:t>Fifth level</a:t>
             </a:r>
-          </a:p>
-        </p:txBody>
-      </p:sp>
-      <p:sp>
-        <p:nvSpPr>
-          <p:cNvPr id="4" name="Content Placeholder 3">
-            <a:extLst>
-              <a:ext uri="{FF2B5EF4-FFF2-40B4-BE49-F238E27FC236}">
-                <a16:creationId xmlns:a16="http://schemas.microsoft.com/office/drawing/2014/main" id="{E6FDBD20-69BA-728B-79CC-0629601B0F30}"/>
-              </a:ext>
-            </a:extLst>
-          </p:cNvPr>
+            <a:endParaRPr lang="en-US"/>
+          </a:p>
+        </p:txBody>
+      </p:sp>
+      <p:sp>
+        <p:nvSpPr>
+          <p:cNvPr id="4" name="Content Placeholder 3"/>
           <p:cNvSpPr>
             <a:spLocks noGrp="1"/>
           </p:cNvSpPr>
@@ -1344,6 +1169,7 @@
               <a:rPr lang="en-US"/>
               <a:t>Click to edit Master text styles</a:t>
             </a:r>
+            <a:endParaRPr lang="en-US"/>
           </a:p>
           <a:p>
             <a:pPr lvl="1"/>
@@ -1351,6 +1177,7 @@
               <a:rPr lang="en-US"/>
               <a:t>Second level</a:t>
             </a:r>
+            <a:endParaRPr lang="en-US"/>
           </a:p>
           <a:p>
             <a:pPr lvl="2"/>
@@ -1358,6 +1185,7 @@
               <a:rPr lang="en-US"/>
               <a:t>Third level</a:t>
             </a:r>
+            <a:endParaRPr lang="en-US"/>
           </a:p>
           <a:p>
             <a:pPr lvl="3"/>
@@ -1365,6 +1193,7 @@
               <a:rPr lang="en-US"/>
               <a:t>Fourth level</a:t>
             </a:r>
+            <a:endParaRPr lang="en-US"/>
           </a:p>
           <a:p>
             <a:pPr lvl="4"/>
@@ -1372,18 +1201,13 @@
               <a:rPr lang="en-US"/>
               <a:t>Fifth level</a:t>
             </a:r>
-          </a:p>
-        </p:txBody>
-      </p:sp>
-      <p:sp>
-        <p:nvSpPr>
-          <p:cNvPr id="5" name="Date Placeholder 4">
-            <a:extLst>
-              <a:ext uri="{FF2B5EF4-FFF2-40B4-BE49-F238E27FC236}">
-                <a16:creationId xmlns:a16="http://schemas.microsoft.com/office/drawing/2014/main" id="{CF1020E5-40BA-FB64-8C65-936636868D83}"/>
-              </a:ext>
-            </a:extLst>
-          </p:cNvPr>
+            <a:endParaRPr lang="en-US"/>
+          </a:p>
+        </p:txBody>
+      </p:sp>
+      <p:sp>
+        <p:nvSpPr>
+          <p:cNvPr id="5" name="Date Placeholder 4"/>
           <p:cNvSpPr>
             <a:spLocks noGrp="1"/>
           </p:cNvSpPr>
@@ -1398,7 +1222,6 @@
           <a:p>
             <a:fld id="{3737345B-F4BB-42A4-8CDE-F7A2E742823C}" type="datetimeFigureOut">
               <a:rPr lang="en-US" smtClean="0"/>
-              <a:t>12/13/2023</a:t>
             </a:fld>
             <a:endParaRPr lang="en-US"/>
           </a:p>
@@ -1406,13 +1229,7 @@
       </p:sp>
       <p:sp>
         <p:nvSpPr>
-          <p:cNvPr id="6" name="Footer Placeholder 5">
-            <a:extLst>
-              <a:ext uri="{FF2B5EF4-FFF2-40B4-BE49-F238E27FC236}">
-                <a16:creationId xmlns:a16="http://schemas.microsoft.com/office/drawing/2014/main" id="{BA799144-6840-8579-C6FA-B5323D4B2F37}"/>
-              </a:ext>
-            </a:extLst>
-          </p:cNvPr>
+          <p:cNvPr id="6" name="Footer Placeholder 5"/>
           <p:cNvSpPr>
             <a:spLocks noGrp="1"/>
           </p:cNvSpPr>
@@ -1431,13 +1248,7 @@
       </p:sp>
       <p:sp>
         <p:nvSpPr>
-          <p:cNvPr id="7" name="Slide Number Placeholder 6">
-            <a:extLst>
-              <a:ext uri="{FF2B5EF4-FFF2-40B4-BE49-F238E27FC236}">
-                <a16:creationId xmlns:a16="http://schemas.microsoft.com/office/drawing/2014/main" id="{79F5197B-EEE8-F68C-29E4-8F296D1A92BA}"/>
-              </a:ext>
-            </a:extLst>
-          </p:cNvPr>
+          <p:cNvPr id="7" name="Slide Number Placeholder 6"/>
           <p:cNvSpPr>
             <a:spLocks noGrp="1"/>
           </p:cNvSpPr>
@@ -1452,18 +1263,12 @@
           <a:p>
             <a:fld id="{F42D3FB4-41A9-4B19-989D-A95A1726C9A3}" type="slidenum">
               <a:rPr lang="en-US" smtClean="0"/>
-              <a:t>‹#›</a:t>
             </a:fld>
             <a:endParaRPr lang="en-US"/>
           </a:p>
         </p:txBody>
       </p:sp>
     </p:spTree>
-    <p:extLst>
-      <p:ext uri="{BB962C8B-B14F-4D97-AF65-F5344CB8AC3E}">
-        <p14:creationId xmlns:p14="http://schemas.microsoft.com/office/powerpoint/2010/main" val="3544484024"/>
-      </p:ext>
-    </p:extLst>
   </p:cSld>
   <p:clrMapOvr>
     <a:masterClrMapping/>
@@ -1490,13 +1295,7 @@
       </p:grpSpPr>
       <p:sp>
         <p:nvSpPr>
-          <p:cNvPr id="2" name="Title 1">
-            <a:extLst>
-              <a:ext uri="{FF2B5EF4-FFF2-40B4-BE49-F238E27FC236}">
-                <a16:creationId xmlns:a16="http://schemas.microsoft.com/office/drawing/2014/main" id="{C7D79A2C-7676-D01D-EC75-F0B3C74A0A69}"/>
-              </a:ext>
-            </a:extLst>
-          </p:cNvPr>
+          <p:cNvPr id="2" name="Title 1"/>
           <p:cNvSpPr>
             <a:spLocks noGrp="1"/>
           </p:cNvSpPr>
@@ -1518,18 +1317,13 @@
               <a:rPr lang="en-US"/>
               <a:t>Click to edit Master title style</a:t>
             </a:r>
-          </a:p>
-        </p:txBody>
-      </p:sp>
-      <p:sp>
-        <p:nvSpPr>
-          <p:cNvPr id="3" name="Text Placeholder 2">
-            <a:extLst>
-              <a:ext uri="{FF2B5EF4-FFF2-40B4-BE49-F238E27FC236}">
-                <a16:creationId xmlns:a16="http://schemas.microsoft.com/office/drawing/2014/main" id="{16661D5B-281A-9D61-FF34-426F9575CA13}"/>
-              </a:ext>
-            </a:extLst>
-          </p:cNvPr>
+            <a:endParaRPr lang="en-US"/>
+          </a:p>
+        </p:txBody>
+      </p:sp>
+      <p:sp>
+        <p:nvSpPr>
+          <p:cNvPr id="3" name="Text Placeholder 2"/>
           <p:cNvSpPr>
             <a:spLocks noGrp="1"/>
           </p:cNvSpPr>
@@ -1589,18 +1383,13 @@
               <a:rPr lang="en-US"/>
               <a:t>Click to edit Master text styles</a:t>
             </a:r>
-          </a:p>
-        </p:txBody>
-      </p:sp>
-      <p:sp>
-        <p:nvSpPr>
-          <p:cNvPr id="4" name="Content Placeholder 3">
-            <a:extLst>
-              <a:ext uri="{FF2B5EF4-FFF2-40B4-BE49-F238E27FC236}">
-                <a16:creationId xmlns:a16="http://schemas.microsoft.com/office/drawing/2014/main" id="{181AA256-7714-F268-F1AB-E94E2E10011A}"/>
-              </a:ext>
-            </a:extLst>
-          </p:cNvPr>
+            <a:endParaRPr lang="en-US"/>
+          </a:p>
+        </p:txBody>
+      </p:sp>
+      <p:sp>
+        <p:nvSpPr>
+          <p:cNvPr id="4" name="Content Placeholder 3"/>
           <p:cNvSpPr>
             <a:spLocks noGrp="1"/>
           </p:cNvSpPr>
@@ -1623,6 +1412,7 @@
               <a:rPr lang="en-US"/>
               <a:t>Click to edit Master text styles</a:t>
             </a:r>
+            <a:endParaRPr lang="en-US"/>
           </a:p>
           <a:p>
             <a:pPr lvl="1"/>
@@ -1630,6 +1420,7 @@
               <a:rPr lang="en-US"/>
               <a:t>Second level</a:t>
             </a:r>
+            <a:endParaRPr lang="en-US"/>
           </a:p>
           <a:p>
             <a:pPr lvl="2"/>
@@ -1637,6 +1428,7 @@
               <a:rPr lang="en-US"/>
               <a:t>Third level</a:t>
             </a:r>
+            <a:endParaRPr lang="en-US"/>
           </a:p>
           <a:p>
             <a:pPr lvl="3"/>
@@ -1644,6 +1436,7 @@
               <a:rPr lang="en-US"/>
               <a:t>Fourth level</a:t>
             </a:r>
+            <a:endParaRPr lang="en-US"/>
           </a:p>
           <a:p>
             <a:pPr lvl="4"/>
@@ -1651,18 +1444,13 @@
               <a:rPr lang="en-US"/>
               <a:t>Fifth level</a:t>
             </a:r>
-          </a:p>
-        </p:txBody>
-      </p:sp>
-      <p:sp>
-        <p:nvSpPr>
-          <p:cNvPr id="5" name="Text Placeholder 4">
-            <a:extLst>
-              <a:ext uri="{FF2B5EF4-FFF2-40B4-BE49-F238E27FC236}">
-                <a16:creationId xmlns:a16="http://schemas.microsoft.com/office/drawing/2014/main" id="{005784E9-CA67-A035-0F28-5D75B54BF1C8}"/>
-              </a:ext>
-            </a:extLst>
-          </p:cNvPr>
+            <a:endParaRPr lang="en-US"/>
+          </a:p>
+        </p:txBody>
+      </p:sp>
+      <p:sp>
+        <p:nvSpPr>
+          <p:cNvPr id="5" name="Text Placeholder 4"/>
           <p:cNvSpPr>
             <a:spLocks noGrp="1"/>
           </p:cNvSpPr>
@@ -1722,18 +1510,13 @@
               <a:rPr lang="en-US"/>
               <a:t>Click to edit Master text styles</a:t>
             </a:r>
-          </a:p>
-        </p:txBody>
-      </p:sp>
-      <p:sp>
-        <p:nvSpPr>
-          <p:cNvPr id="6" name="Content Placeholder 5">
-            <a:extLst>
-              <a:ext uri="{FF2B5EF4-FFF2-40B4-BE49-F238E27FC236}">
-                <a16:creationId xmlns:a16="http://schemas.microsoft.com/office/drawing/2014/main" id="{5FB467DF-1E58-316A-67D4-02DA3A298DFF}"/>
-              </a:ext>
-            </a:extLst>
-          </p:cNvPr>
+            <a:endParaRPr lang="en-US"/>
+          </a:p>
+        </p:txBody>
+      </p:sp>
+      <p:sp>
+        <p:nvSpPr>
+          <p:cNvPr id="6" name="Content Placeholder 5"/>
           <p:cNvSpPr>
             <a:spLocks noGrp="1"/>
           </p:cNvSpPr>
@@ -1756,6 +1539,7 @@
               <a:rPr lang="en-US"/>
               <a:t>Click to edit Master text styles</a:t>
             </a:r>
+            <a:endParaRPr lang="en-US"/>
           </a:p>
           <a:p>
             <a:pPr lvl="1"/>
@@ -1763,6 +1547,7 @@
               <a:rPr lang="en-US"/>
               <a:t>Second level</a:t>
             </a:r>
+            <a:endParaRPr lang="en-US"/>
           </a:p>
           <a:p>
             <a:pPr lvl="2"/>
@@ -1770,6 +1555,7 @@
               <a:rPr lang="en-US"/>
               <a:t>Third level</a:t>
             </a:r>
+            <a:endParaRPr lang="en-US"/>
           </a:p>
           <a:p>
             <a:pPr lvl="3"/>
@@ -1777,6 +1563,7 @@
               <a:rPr lang="en-US"/>
               <a:t>Fourth level</a:t>
             </a:r>
+            <a:endParaRPr lang="en-US"/>
           </a:p>
           <a:p>
             <a:pPr lvl="4"/>
@@ -1784,18 +1571,13 @@
               <a:rPr lang="en-US"/>
               <a:t>Fifth level</a:t>
             </a:r>
-          </a:p>
-        </p:txBody>
-      </p:sp>
-      <p:sp>
-        <p:nvSpPr>
-          <p:cNvPr id="7" name="Date Placeholder 6">
-            <a:extLst>
-              <a:ext uri="{FF2B5EF4-FFF2-40B4-BE49-F238E27FC236}">
-                <a16:creationId xmlns:a16="http://schemas.microsoft.com/office/drawing/2014/main" id="{EF44C410-BDB7-481D-49A4-9E9DB2B45F8A}"/>
-              </a:ext>
-            </a:extLst>
-          </p:cNvPr>
+            <a:endParaRPr lang="en-US"/>
+          </a:p>
+        </p:txBody>
+      </p:sp>
+      <p:sp>
+        <p:nvSpPr>
+          <p:cNvPr id="7" name="Date Placeholder 6"/>
           <p:cNvSpPr>
             <a:spLocks noGrp="1"/>
           </p:cNvSpPr>
@@ -1810,7 +1592,6 @@
           <a:p>
             <a:fld id="{3737345B-F4BB-42A4-8CDE-F7A2E742823C}" type="datetimeFigureOut">
               <a:rPr lang="en-US" smtClean="0"/>
-              <a:t>12/13/2023</a:t>
             </a:fld>
             <a:endParaRPr lang="en-US"/>
           </a:p>
@@ -1818,13 +1599,7 @@
       </p:sp>
       <p:sp>
         <p:nvSpPr>
-          <p:cNvPr id="8" name="Footer Placeholder 7">
-            <a:extLst>
-              <a:ext uri="{FF2B5EF4-FFF2-40B4-BE49-F238E27FC236}">
-                <a16:creationId xmlns:a16="http://schemas.microsoft.com/office/drawing/2014/main" id="{710C6127-4643-4E4F-8152-4C32A656D3E1}"/>
-              </a:ext>
-            </a:extLst>
-          </p:cNvPr>
+          <p:cNvPr id="8" name="Footer Placeholder 7"/>
           <p:cNvSpPr>
             <a:spLocks noGrp="1"/>
           </p:cNvSpPr>
@@ -1843,13 +1618,7 @@
       </p:sp>
       <p:sp>
         <p:nvSpPr>
-          <p:cNvPr id="9" name="Slide Number Placeholder 8">
-            <a:extLst>
-              <a:ext uri="{FF2B5EF4-FFF2-40B4-BE49-F238E27FC236}">
-                <a16:creationId xmlns:a16="http://schemas.microsoft.com/office/drawing/2014/main" id="{0061CDF4-7655-62D6-5E89-31DB3DD90F94}"/>
-              </a:ext>
-            </a:extLst>
-          </p:cNvPr>
+          <p:cNvPr id="9" name="Slide Number Placeholder 8"/>
           <p:cNvSpPr>
             <a:spLocks noGrp="1"/>
           </p:cNvSpPr>
@@ -1864,18 +1633,12 @@
           <a:p>
             <a:fld id="{F42D3FB4-41A9-4B19-989D-A95A1726C9A3}" type="slidenum">
               <a:rPr lang="en-US" smtClean="0"/>
-              <a:t>‹#›</a:t>
             </a:fld>
             <a:endParaRPr lang="en-US"/>
           </a:p>
         </p:txBody>
       </p:sp>
     </p:spTree>
-    <p:extLst>
-      <p:ext uri="{BB962C8B-B14F-4D97-AF65-F5344CB8AC3E}">
-        <p14:creationId xmlns:p14="http://schemas.microsoft.com/office/powerpoint/2010/main" val="236717157"/>
-      </p:ext>
-    </p:extLst>
   </p:cSld>
   <p:clrMapOvr>
     <a:masterClrMapping/>
@@ -1902,13 +1665,7 @@
       </p:grpSpPr>
       <p:sp>
         <p:nvSpPr>
-          <p:cNvPr id="2" name="Title 1">
-            <a:extLst>
-              <a:ext uri="{FF2B5EF4-FFF2-40B4-BE49-F238E27FC236}">
-                <a16:creationId xmlns:a16="http://schemas.microsoft.com/office/drawing/2014/main" id="{D81A2CB2-CFC0-CC53-85E9-80984CD1220B}"/>
-              </a:ext>
-            </a:extLst>
-          </p:cNvPr>
+          <p:cNvPr id="2" name="Title 1"/>
           <p:cNvSpPr>
             <a:spLocks noGrp="1"/>
           </p:cNvSpPr>
@@ -1925,18 +1682,13 @@
               <a:rPr lang="en-US"/>
               <a:t>Click to edit Master title style</a:t>
             </a:r>
-          </a:p>
-        </p:txBody>
-      </p:sp>
-      <p:sp>
-        <p:nvSpPr>
-          <p:cNvPr id="3" name="Date Placeholder 2">
-            <a:extLst>
-              <a:ext uri="{FF2B5EF4-FFF2-40B4-BE49-F238E27FC236}">
-                <a16:creationId xmlns:a16="http://schemas.microsoft.com/office/drawing/2014/main" id="{8A61C3A2-F7E0-A8FD-889B-A6E9F68D5161}"/>
-              </a:ext>
-            </a:extLst>
-          </p:cNvPr>
+            <a:endParaRPr lang="en-US"/>
+          </a:p>
+        </p:txBody>
+      </p:sp>
+      <p:sp>
+        <p:nvSpPr>
+          <p:cNvPr id="3" name="Date Placeholder 2"/>
           <p:cNvSpPr>
             <a:spLocks noGrp="1"/>
           </p:cNvSpPr>
@@ -1951,7 +1703,6 @@
           <a:p>
             <a:fld id="{3737345B-F4BB-42A4-8CDE-F7A2E742823C}" type="datetimeFigureOut">
               <a:rPr lang="en-US" smtClean="0"/>
-              <a:t>12/13/2023</a:t>
             </a:fld>
             <a:endParaRPr lang="en-US"/>
           </a:p>
@@ -1959,13 +1710,7 @@
       </p:sp>
       <p:sp>
         <p:nvSpPr>
-          <p:cNvPr id="4" name="Footer Placeholder 3">
-            <a:extLst>
-              <a:ext uri="{FF2B5EF4-FFF2-40B4-BE49-F238E27FC236}">
-                <a16:creationId xmlns:a16="http://schemas.microsoft.com/office/drawing/2014/main" id="{BBCC1A0D-3B25-C6D1-F10C-EDB33290E612}"/>
-              </a:ext>
-            </a:extLst>
-          </p:cNvPr>
+          <p:cNvPr id="4" name="Footer Placeholder 3"/>
           <p:cNvSpPr>
             <a:spLocks noGrp="1"/>
           </p:cNvSpPr>
@@ -1984,13 +1729,7 @@
       </p:sp>
       <p:sp>
         <p:nvSpPr>
-          <p:cNvPr id="5" name="Slide Number Placeholder 4">
-            <a:extLst>
-              <a:ext uri="{FF2B5EF4-FFF2-40B4-BE49-F238E27FC236}">
-                <a16:creationId xmlns:a16="http://schemas.microsoft.com/office/drawing/2014/main" id="{A9C43217-91B6-AC86-0951-C48DCEDA1400}"/>
-              </a:ext>
-            </a:extLst>
-          </p:cNvPr>
+          <p:cNvPr id="5" name="Slide Number Placeholder 4"/>
           <p:cNvSpPr>
             <a:spLocks noGrp="1"/>
           </p:cNvSpPr>
@@ -2005,18 +1744,12 @@
           <a:p>
             <a:fld id="{F42D3FB4-41A9-4B19-989D-A95A1726C9A3}" type="slidenum">
               <a:rPr lang="en-US" smtClean="0"/>
-              <a:t>‹#›</a:t>
             </a:fld>
             <a:endParaRPr lang="en-US"/>
           </a:p>
         </p:txBody>
       </p:sp>
     </p:spTree>
-    <p:extLst>
-      <p:ext uri="{BB962C8B-B14F-4D97-AF65-F5344CB8AC3E}">
-        <p14:creationId xmlns:p14="http://schemas.microsoft.com/office/powerpoint/2010/main" val="1879170589"/>
-      </p:ext>
-    </p:extLst>
   </p:cSld>
   <p:clrMapOvr>
     <a:masterClrMapping/>
@@ -2043,13 +1776,7 @@
       </p:grpSpPr>
       <p:sp>
         <p:nvSpPr>
-          <p:cNvPr id="2" name="Date Placeholder 1">
-            <a:extLst>
-              <a:ext uri="{FF2B5EF4-FFF2-40B4-BE49-F238E27FC236}">
-                <a16:creationId xmlns:a16="http://schemas.microsoft.com/office/drawing/2014/main" id="{50258522-7F49-0978-14AA-DB438C9CBB59}"/>
-              </a:ext>
-            </a:extLst>
-          </p:cNvPr>
+          <p:cNvPr id="2" name="Date Placeholder 1"/>
           <p:cNvSpPr>
             <a:spLocks noGrp="1"/>
           </p:cNvSpPr>
@@ -2064,7 +1791,6 @@
           <a:p>
             <a:fld id="{3737345B-F4BB-42A4-8CDE-F7A2E742823C}" type="datetimeFigureOut">
               <a:rPr lang="en-US" smtClean="0"/>
-              <a:t>12/13/2023</a:t>
             </a:fld>
             <a:endParaRPr lang="en-US"/>
           </a:p>
@@ -2072,13 +1798,7 @@
       </p:sp>
       <p:sp>
         <p:nvSpPr>
-          <p:cNvPr id="3" name="Footer Placeholder 2">
-            <a:extLst>
-              <a:ext uri="{FF2B5EF4-FFF2-40B4-BE49-F238E27FC236}">
-                <a16:creationId xmlns:a16="http://schemas.microsoft.com/office/drawing/2014/main" id="{5C24CC25-E343-3F19-81A7-3A9B07EBF258}"/>
-              </a:ext>
-            </a:extLst>
-          </p:cNvPr>
+          <p:cNvPr id="3" name="Footer Placeholder 2"/>
           <p:cNvSpPr>
             <a:spLocks noGrp="1"/>
           </p:cNvSpPr>
@@ -2097,13 +1817,7 @@
       </p:sp>
       <p:sp>
         <p:nvSpPr>
-          <p:cNvPr id="4" name="Slide Number Placeholder 3">
-            <a:extLst>
-              <a:ext uri="{FF2B5EF4-FFF2-40B4-BE49-F238E27FC236}">
-                <a16:creationId xmlns:a16="http://schemas.microsoft.com/office/drawing/2014/main" id="{AE217A56-EC08-516E-83EF-158C0618216A}"/>
-              </a:ext>
-            </a:extLst>
-          </p:cNvPr>
+          <p:cNvPr id="4" name="Slide Number Placeholder 3"/>
           <p:cNvSpPr>
             <a:spLocks noGrp="1"/>
           </p:cNvSpPr>
@@ -2118,18 +1832,12 @@
           <a:p>
             <a:fld id="{F42D3FB4-41A9-4B19-989D-A95A1726C9A3}" type="slidenum">
               <a:rPr lang="en-US" smtClean="0"/>
-              <a:t>‹#›</a:t>
             </a:fld>
             <a:endParaRPr lang="en-US"/>
           </a:p>
         </p:txBody>
       </p:sp>
     </p:spTree>
-    <p:extLst>
-      <p:ext uri="{BB962C8B-B14F-4D97-AF65-F5344CB8AC3E}">
-        <p14:creationId xmlns:p14="http://schemas.microsoft.com/office/powerpoint/2010/main" val="607944305"/>
-      </p:ext>
-    </p:extLst>
   </p:cSld>
   <p:clrMapOvr>
     <a:masterClrMapping/>
@@ -2156,13 +1864,7 @@
       </p:grpSpPr>
       <p:sp>
         <p:nvSpPr>
-          <p:cNvPr id="2" name="Title 1">
-            <a:extLst>
-              <a:ext uri="{FF2B5EF4-FFF2-40B4-BE49-F238E27FC236}">
-                <a16:creationId xmlns:a16="http://schemas.microsoft.com/office/drawing/2014/main" id="{62F0BC99-B836-1AD8-ED1C-7CAC268F4D7A}"/>
-              </a:ext>
-            </a:extLst>
-          </p:cNvPr>
+          <p:cNvPr id="2" name="Title 1"/>
           <p:cNvSpPr>
             <a:spLocks noGrp="1"/>
           </p:cNvSpPr>
@@ -2188,18 +1890,13 @@
               <a:rPr lang="en-US"/>
               <a:t>Click to edit Master title style</a:t>
             </a:r>
-          </a:p>
-        </p:txBody>
-      </p:sp>
-      <p:sp>
-        <p:nvSpPr>
-          <p:cNvPr id="3" name="Content Placeholder 2">
-            <a:extLst>
-              <a:ext uri="{FF2B5EF4-FFF2-40B4-BE49-F238E27FC236}">
-                <a16:creationId xmlns:a16="http://schemas.microsoft.com/office/drawing/2014/main" id="{0E84FDC6-EDE2-C3DA-3F5C-F0AD03893064}"/>
-              </a:ext>
-            </a:extLst>
-          </p:cNvPr>
+            <a:endParaRPr lang="en-US"/>
+          </a:p>
+        </p:txBody>
+      </p:sp>
+      <p:sp>
+        <p:nvSpPr>
+          <p:cNvPr id="3" name="Content Placeholder 2"/>
           <p:cNvSpPr>
             <a:spLocks noGrp="1"/>
           </p:cNvSpPr>
@@ -2250,6 +1947,7 @@
               <a:rPr lang="en-US"/>
               <a:t>Click to edit Master text styles</a:t>
             </a:r>
+            <a:endParaRPr lang="en-US"/>
           </a:p>
           <a:p>
             <a:pPr lvl="1"/>
@@ -2257,6 +1955,7 @@
               <a:rPr lang="en-US"/>
               <a:t>Second level</a:t>
             </a:r>
+            <a:endParaRPr lang="en-US"/>
           </a:p>
           <a:p>
             <a:pPr lvl="2"/>
@@ -2264,6 +1963,7 @@
               <a:rPr lang="en-US"/>
               <a:t>Third level</a:t>
             </a:r>
+            <a:endParaRPr lang="en-US"/>
           </a:p>
           <a:p>
             <a:pPr lvl="3"/>
@@ -2271,6 +1971,7 @@
               <a:rPr lang="en-US"/>
               <a:t>Fourth level</a:t>
             </a:r>
+            <a:endParaRPr lang="en-US"/>
           </a:p>
           <a:p>
             <a:pPr lvl="4"/>
@@ -2278,18 +1979,13 @@
               <a:rPr lang="en-US"/>
               <a:t>Fifth level</a:t>
             </a:r>
-          </a:p>
-        </p:txBody>
-      </p:sp>
-      <p:sp>
-        <p:nvSpPr>
-          <p:cNvPr id="4" name="Text Placeholder 3">
-            <a:extLst>
-              <a:ext uri="{FF2B5EF4-FFF2-40B4-BE49-F238E27FC236}">
-                <a16:creationId xmlns:a16="http://schemas.microsoft.com/office/drawing/2014/main" id="{25A8956A-EBF4-4EE3-6DD3-0A9F047E37C5}"/>
-              </a:ext>
-            </a:extLst>
-          </p:cNvPr>
+            <a:endParaRPr lang="en-US"/>
+          </a:p>
+        </p:txBody>
+      </p:sp>
+      <p:sp>
+        <p:nvSpPr>
+          <p:cNvPr id="4" name="Text Placeholder 3"/>
           <p:cNvSpPr>
             <a:spLocks noGrp="1"/>
           </p:cNvSpPr>
@@ -2349,18 +2045,13 @@
               <a:rPr lang="en-US"/>
               <a:t>Click to edit Master text styles</a:t>
             </a:r>
-          </a:p>
-        </p:txBody>
-      </p:sp>
-      <p:sp>
-        <p:nvSpPr>
-          <p:cNvPr id="5" name="Date Placeholder 4">
-            <a:extLst>
-              <a:ext uri="{FF2B5EF4-FFF2-40B4-BE49-F238E27FC236}">
-                <a16:creationId xmlns:a16="http://schemas.microsoft.com/office/drawing/2014/main" id="{B6CEDBBA-B073-2B26-0CA0-3DD9FA2D189B}"/>
-              </a:ext>
-            </a:extLst>
-          </p:cNvPr>
+            <a:endParaRPr lang="en-US"/>
+          </a:p>
+        </p:txBody>
+      </p:sp>
+      <p:sp>
+        <p:nvSpPr>
+          <p:cNvPr id="5" name="Date Placeholder 4"/>
           <p:cNvSpPr>
             <a:spLocks noGrp="1"/>
           </p:cNvSpPr>
@@ -2375,7 +2066,6 @@
           <a:p>
             <a:fld id="{3737345B-F4BB-42A4-8CDE-F7A2E742823C}" type="datetimeFigureOut">
               <a:rPr lang="en-US" smtClean="0"/>
-              <a:t>12/13/2023</a:t>
             </a:fld>
             <a:endParaRPr lang="en-US"/>
           </a:p>
@@ -2383,13 +2073,7 @@
       </p:sp>
       <p:sp>
         <p:nvSpPr>
-          <p:cNvPr id="6" name="Footer Placeholder 5">
-            <a:extLst>
-              <a:ext uri="{FF2B5EF4-FFF2-40B4-BE49-F238E27FC236}">
-                <a16:creationId xmlns:a16="http://schemas.microsoft.com/office/drawing/2014/main" id="{56CADF5B-7A1D-34EB-4117-82A444B075DF}"/>
-              </a:ext>
-            </a:extLst>
-          </p:cNvPr>
+          <p:cNvPr id="6" name="Footer Placeholder 5"/>
           <p:cNvSpPr>
             <a:spLocks noGrp="1"/>
           </p:cNvSpPr>
@@ -2408,13 +2092,7 @@
       </p:sp>
       <p:sp>
         <p:nvSpPr>
-          <p:cNvPr id="7" name="Slide Number Placeholder 6">
-            <a:extLst>
-              <a:ext uri="{FF2B5EF4-FFF2-40B4-BE49-F238E27FC236}">
-                <a16:creationId xmlns:a16="http://schemas.microsoft.com/office/drawing/2014/main" id="{F40B2C19-D5A4-E7A4-28A9-BED485DAFACF}"/>
-              </a:ext>
-            </a:extLst>
-          </p:cNvPr>
+          <p:cNvPr id="7" name="Slide Number Placeholder 6"/>
           <p:cNvSpPr>
             <a:spLocks noGrp="1"/>
           </p:cNvSpPr>
@@ -2429,18 +2107,12 @@
           <a:p>
             <a:fld id="{F42D3FB4-41A9-4B19-989D-A95A1726C9A3}" type="slidenum">
               <a:rPr lang="en-US" smtClean="0"/>
-              <a:t>‹#›</a:t>
             </a:fld>
             <a:endParaRPr lang="en-US"/>
           </a:p>
         </p:txBody>
       </p:sp>
     </p:spTree>
-    <p:extLst>
-      <p:ext uri="{BB962C8B-B14F-4D97-AF65-F5344CB8AC3E}">
-        <p14:creationId xmlns:p14="http://schemas.microsoft.com/office/powerpoint/2010/main" val="3564182934"/>
-      </p:ext>
-    </p:extLst>
   </p:cSld>
   <p:clrMapOvr>
     <a:masterClrMapping/>
@@ -2467,13 +2139,7 @@
       </p:grpSpPr>
       <p:sp>
         <p:nvSpPr>
-          <p:cNvPr id="2" name="Title 1">
-            <a:extLst>
-              <a:ext uri="{FF2B5EF4-FFF2-40B4-BE49-F238E27FC236}">
-                <a16:creationId xmlns:a16="http://schemas.microsoft.com/office/drawing/2014/main" id="{4BA60269-97FB-2905-8857-053B2209DCF6}"/>
-              </a:ext>
-            </a:extLst>
-          </p:cNvPr>
+          <p:cNvPr id="2" name="Title 1"/>
           <p:cNvSpPr>
             <a:spLocks noGrp="1"/>
           </p:cNvSpPr>
@@ -2499,18 +2165,13 @@
               <a:rPr lang="en-US"/>
               <a:t>Click to edit Master title style</a:t>
             </a:r>
-          </a:p>
-        </p:txBody>
-      </p:sp>
-      <p:sp>
-        <p:nvSpPr>
-          <p:cNvPr id="3" name="Picture Placeholder 2">
-            <a:extLst>
-              <a:ext uri="{FF2B5EF4-FFF2-40B4-BE49-F238E27FC236}">
-                <a16:creationId xmlns:a16="http://schemas.microsoft.com/office/drawing/2014/main" id="{AAE12730-3B06-1558-F9E7-A70F45EF81BF}"/>
-              </a:ext>
-            </a:extLst>
-          </p:cNvPr>
+            <a:endParaRPr lang="en-US"/>
+          </a:p>
+        </p:txBody>
+      </p:sp>
+      <p:sp>
+        <p:nvSpPr>
+          <p:cNvPr id="3" name="Picture Placeholder 2"/>
           <p:cNvSpPr>
             <a:spLocks noGrp="1"/>
           </p:cNvSpPr>
@@ -2571,13 +2232,7 @@
       </p:sp>
       <p:sp>
         <p:nvSpPr>
-          <p:cNvPr id="4" name="Text Placeholder 3">
-            <a:extLst>
-              <a:ext uri="{FF2B5EF4-FFF2-40B4-BE49-F238E27FC236}">
-                <a16:creationId xmlns:a16="http://schemas.microsoft.com/office/drawing/2014/main" id="{4887C857-03F7-6F88-AFF4-2A0D87F813FF}"/>
-              </a:ext>
-            </a:extLst>
-          </p:cNvPr>
+          <p:cNvPr id="4" name="Text Placeholder 3"/>
           <p:cNvSpPr>
             <a:spLocks noGrp="1"/>
           </p:cNvSpPr>
@@ -2637,18 +2292,13 @@
               <a:rPr lang="en-US"/>
               <a:t>Click to edit Master text styles</a:t>
             </a:r>
-          </a:p>
-        </p:txBody>
-      </p:sp>
-      <p:sp>
-        <p:nvSpPr>
-          <p:cNvPr id="5" name="Date Placeholder 4">
-            <a:extLst>
-              <a:ext uri="{FF2B5EF4-FFF2-40B4-BE49-F238E27FC236}">
-                <a16:creationId xmlns:a16="http://schemas.microsoft.com/office/drawing/2014/main" id="{146622EB-0EAB-A4D8-A4B3-C0372C9DD751}"/>
-              </a:ext>
-            </a:extLst>
-          </p:cNvPr>
+            <a:endParaRPr lang="en-US"/>
+          </a:p>
+        </p:txBody>
+      </p:sp>
+      <p:sp>
+        <p:nvSpPr>
+          <p:cNvPr id="5" name="Date Placeholder 4"/>
           <p:cNvSpPr>
             <a:spLocks noGrp="1"/>
           </p:cNvSpPr>
@@ -2663,7 +2313,6 @@
           <a:p>
             <a:fld id="{3737345B-F4BB-42A4-8CDE-F7A2E742823C}" type="datetimeFigureOut">
               <a:rPr lang="en-US" smtClean="0"/>
-              <a:t>12/13/2023</a:t>
             </a:fld>
             <a:endParaRPr lang="en-US"/>
           </a:p>
@@ -2671,13 +2320,7 @@
       </p:sp>
       <p:sp>
         <p:nvSpPr>
-          <p:cNvPr id="6" name="Footer Placeholder 5">
-            <a:extLst>
-              <a:ext uri="{FF2B5EF4-FFF2-40B4-BE49-F238E27FC236}">
-                <a16:creationId xmlns:a16="http://schemas.microsoft.com/office/drawing/2014/main" id="{65EC7835-AC4B-4D4E-79F7-B56B7904B4CF}"/>
-              </a:ext>
-            </a:extLst>
-          </p:cNvPr>
+          <p:cNvPr id="6" name="Footer Placeholder 5"/>
           <p:cNvSpPr>
             <a:spLocks noGrp="1"/>
           </p:cNvSpPr>
@@ -2696,13 +2339,7 @@
       </p:sp>
       <p:sp>
         <p:nvSpPr>
-          <p:cNvPr id="7" name="Slide Number Placeholder 6">
-            <a:extLst>
-              <a:ext uri="{FF2B5EF4-FFF2-40B4-BE49-F238E27FC236}">
-                <a16:creationId xmlns:a16="http://schemas.microsoft.com/office/drawing/2014/main" id="{283772C1-438B-FB00-9CA2-381195BB9F99}"/>
-              </a:ext>
-            </a:extLst>
-          </p:cNvPr>
+          <p:cNvPr id="7" name="Slide Number Placeholder 6"/>
           <p:cNvSpPr>
             <a:spLocks noGrp="1"/>
           </p:cNvSpPr>
@@ -2717,18 +2354,12 @@
           <a:p>
             <a:fld id="{F42D3FB4-41A9-4B19-989D-A95A1726C9A3}" type="slidenum">
               <a:rPr lang="en-US" smtClean="0"/>
-              <a:t>‹#›</a:t>
             </a:fld>
             <a:endParaRPr lang="en-US"/>
           </a:p>
         </p:txBody>
       </p:sp>
     </p:spTree>
-    <p:extLst>
-      <p:ext uri="{BB962C8B-B14F-4D97-AF65-F5344CB8AC3E}">
-        <p14:creationId xmlns:p14="http://schemas.microsoft.com/office/powerpoint/2010/main" val="3447930361"/>
-      </p:ext>
-    </p:extLst>
   </p:cSld>
   <p:clrMapOvr>
     <a:masterClrMapping/>
@@ -2760,13 +2391,7 @@
       </p:grpSpPr>
       <p:sp>
         <p:nvSpPr>
-          <p:cNvPr id="2" name="Title Placeholder 1">
-            <a:extLst>
-              <a:ext uri="{FF2B5EF4-FFF2-40B4-BE49-F238E27FC236}">
-                <a16:creationId xmlns:a16="http://schemas.microsoft.com/office/drawing/2014/main" id="{B4B56F50-22D7-ADAD-1694-1DB629D2C93B}"/>
-              </a:ext>
-            </a:extLst>
-          </p:cNvPr>
+          <p:cNvPr id="2" name="Title Placeholder 1"/>
           <p:cNvSpPr>
             <a:spLocks noGrp="1"/>
           </p:cNvSpPr>
@@ -2793,18 +2418,13 @@
               <a:rPr lang="en-US"/>
               <a:t>Click to edit Master title style</a:t>
             </a:r>
-          </a:p>
-        </p:txBody>
-      </p:sp>
-      <p:sp>
-        <p:nvSpPr>
-          <p:cNvPr id="3" name="Text Placeholder 2">
-            <a:extLst>
-              <a:ext uri="{FF2B5EF4-FFF2-40B4-BE49-F238E27FC236}">
-                <a16:creationId xmlns:a16="http://schemas.microsoft.com/office/drawing/2014/main" id="{A6FACA27-04DA-792B-DA39-4D5B12A87B2E}"/>
-              </a:ext>
-            </a:extLst>
-          </p:cNvPr>
+            <a:endParaRPr lang="en-US"/>
+          </a:p>
+        </p:txBody>
+      </p:sp>
+      <p:sp>
+        <p:nvSpPr>
+          <p:cNvPr id="3" name="Text Placeholder 2"/>
           <p:cNvSpPr>
             <a:spLocks noGrp="1"/>
           </p:cNvSpPr>
@@ -2832,6 +2452,7 @@
               <a:rPr lang="en-US"/>
               <a:t>Click to edit Master text styles</a:t>
             </a:r>
+            <a:endParaRPr lang="en-US"/>
           </a:p>
           <a:p>
             <a:pPr lvl="1"/>
@@ -2839,6 +2460,7 @@
               <a:rPr lang="en-US"/>
               <a:t>Second level</a:t>
             </a:r>
+            <a:endParaRPr lang="en-US"/>
           </a:p>
           <a:p>
             <a:pPr lvl="2"/>
@@ -2846,6 +2468,7 @@
               <a:rPr lang="en-US"/>
               <a:t>Third level</a:t>
             </a:r>
+            <a:endParaRPr lang="en-US"/>
           </a:p>
           <a:p>
             <a:pPr lvl="3"/>
@@ -2853,6 +2476,7 @@
               <a:rPr lang="en-US"/>
               <a:t>Fourth level</a:t>
             </a:r>
+            <a:endParaRPr lang="en-US"/>
           </a:p>
           <a:p>
             <a:pPr lvl="4"/>
@@ -2860,18 +2484,13 @@
               <a:rPr lang="en-US"/>
               <a:t>Fifth level</a:t>
             </a:r>
-          </a:p>
-        </p:txBody>
-      </p:sp>
-      <p:sp>
-        <p:nvSpPr>
-          <p:cNvPr id="4" name="Date Placeholder 3">
-            <a:extLst>
-              <a:ext uri="{FF2B5EF4-FFF2-40B4-BE49-F238E27FC236}">
-                <a16:creationId xmlns:a16="http://schemas.microsoft.com/office/drawing/2014/main" id="{64E4B5C7-E619-7425-C1FA-94F7FF34C3E4}"/>
-              </a:ext>
-            </a:extLst>
-          </p:cNvPr>
+            <a:endParaRPr lang="en-US"/>
+          </a:p>
+        </p:txBody>
+      </p:sp>
+      <p:sp>
+        <p:nvSpPr>
+          <p:cNvPr id="4" name="Date Placeholder 3"/>
           <p:cNvSpPr>
             <a:spLocks noGrp="1"/>
           </p:cNvSpPr>
@@ -2904,7 +2523,6 @@
           <a:p>
             <a:fld id="{3737345B-F4BB-42A4-8CDE-F7A2E742823C}" type="datetimeFigureOut">
               <a:rPr lang="en-US" smtClean="0"/>
-              <a:t>12/13/2023</a:t>
             </a:fld>
             <a:endParaRPr lang="en-US"/>
           </a:p>
@@ -2912,13 +2530,7 @@
       </p:sp>
       <p:sp>
         <p:nvSpPr>
-          <p:cNvPr id="5" name="Footer Placeholder 4">
-            <a:extLst>
-              <a:ext uri="{FF2B5EF4-FFF2-40B4-BE49-F238E27FC236}">
-                <a16:creationId xmlns:a16="http://schemas.microsoft.com/office/drawing/2014/main" id="{2A3A00BB-00C0-C8A8-F268-3E06FCF495BB}"/>
-              </a:ext>
-            </a:extLst>
-          </p:cNvPr>
+          <p:cNvPr id="5" name="Footer Placeholder 4"/>
           <p:cNvSpPr>
             <a:spLocks noGrp="1"/>
           </p:cNvSpPr>
@@ -2955,13 +2567,7 @@
       </p:sp>
       <p:sp>
         <p:nvSpPr>
-          <p:cNvPr id="6" name="Slide Number Placeholder 5">
-            <a:extLst>
-              <a:ext uri="{FF2B5EF4-FFF2-40B4-BE49-F238E27FC236}">
-                <a16:creationId xmlns:a16="http://schemas.microsoft.com/office/drawing/2014/main" id="{B3D86458-97C5-865B-BE97-7B0EDA764F0B}"/>
-              </a:ext>
-            </a:extLst>
-          </p:cNvPr>
+          <p:cNvPr id="6" name="Slide Number Placeholder 5"/>
           <p:cNvSpPr>
             <a:spLocks noGrp="1"/>
           </p:cNvSpPr>
@@ -2994,18 +2600,12 @@
           <a:p>
             <a:fld id="{F42D3FB4-41A9-4B19-989D-A95A1726C9A3}" type="slidenum">
               <a:rPr lang="en-US" smtClean="0"/>
-              <a:t>‹#›</a:t>
             </a:fld>
             <a:endParaRPr lang="en-US"/>
           </a:p>
         </p:txBody>
       </p:sp>
     </p:spTree>
-    <p:extLst>
-      <p:ext uri="{BB962C8B-B14F-4D97-AF65-F5344CB8AC3E}">
-        <p14:creationId xmlns:p14="http://schemas.microsoft.com/office/powerpoint/2010/main" val="2107988775"/>
-      </p:ext>
-    </p:extLst>
   </p:cSld>
   <p:clrMap bg1="lt1" tx1="dk1" bg2="lt2" tx2="dk2" accent1="accent1" accent2="accent2" accent3="accent3" accent4="accent4" accent5="accent5" accent6="accent6" hlink="hlink" folHlink="folHlink"/>
   <p:sldLayoutIdLst>
@@ -3323,20 +2923,14 @@
       </p:grpSpPr>
       <p:sp>
         <p:nvSpPr>
-          <p:cNvPr id="6" name="Oval 5">
-            <a:extLst>
-              <a:ext uri="{FF2B5EF4-FFF2-40B4-BE49-F238E27FC236}">
-                <a16:creationId xmlns:a16="http://schemas.microsoft.com/office/drawing/2014/main" id="{F4A35A42-B38F-ACAC-9ECF-5C7E9621EB62}"/>
-              </a:ext>
-            </a:extLst>
-          </p:cNvPr>
+          <p:cNvPr id="6" name="Oval 5"/>
           <p:cNvSpPr/>
           <p:nvPr/>
         </p:nvSpPr>
         <p:spPr>
           <a:xfrm>
-            <a:off x="3800279" y="1133280"/>
-            <a:ext cx="4591441" cy="4591440"/>
+            <a:off x="3819329" y="1133280"/>
+            <a:ext cx="4773168" cy="4773168"/>
           </a:xfrm>
           <a:prstGeom prst="ellipse">
             <a:avLst/>
@@ -3377,57 +2971,35 @@
       </p:sp>
       <p:pic>
         <p:nvPicPr>
-          <p:cNvPr id="1052" name="Picture 28" descr="Press and Media | Postman">
-            <a:extLst>
-              <a:ext uri="{FF2B5EF4-FFF2-40B4-BE49-F238E27FC236}">
-                <a16:creationId xmlns:a16="http://schemas.microsoft.com/office/drawing/2014/main" id="{579AA3FB-8E5C-FCC3-3C47-ACC4FAE2504C}"/>
-              </a:ext>
-            </a:extLst>
-          </p:cNvPr>
+          <p:cNvPr id="3" name="Picture 2" descr="A blue circle with white letters on it&#10;&#10;Description automatically generated"/>
           <p:cNvPicPr>
-            <a:picLocks noChangeAspect="1" noChangeArrowheads="1"/>
+            <a:picLocks noChangeAspect="1"/>
           </p:cNvPicPr>
           <p:nvPr/>
         </p:nvPicPr>
         <p:blipFill>
-          <a:blip r:embed="rId2">
+          <a:blip r:embed="rId1">
             <a:extLst>
               <a:ext uri="{28A0092B-C50C-407E-A947-70E740481C1C}">
                 <a14:useLocalDpi xmlns:a14="http://schemas.microsoft.com/office/drawing/2010/main" val="0"/>
               </a:ext>
             </a:extLst>
           </a:blip>
-          <a:srcRect/>
           <a:stretch>
             <a:fillRect/>
           </a:stretch>
         </p:blipFill>
-        <p:spPr bwMode="auto">
+        <p:spPr>
           <a:xfrm>
-            <a:off x="4545858" y="2035834"/>
-            <a:ext cx="3100284" cy="2786331"/>
+            <a:off x="3852740" y="1166300"/>
+            <a:ext cx="4709160" cy="4709160"/>
           </a:xfrm>
           <a:prstGeom prst="rect">
             <a:avLst/>
           </a:prstGeom>
-          <a:noFill/>
-          <a:extLst>
-            <a:ext uri="{909E8E84-426E-40DD-AFC4-6F175D3DCCD1}">
-              <a14:hiddenFill xmlns:a14="http://schemas.microsoft.com/office/drawing/2010/main">
-                <a:solidFill>
-                  <a:srgbClr val="FFFFFF"/>
-                </a:solidFill>
-              </a14:hiddenFill>
-            </a:ext>
-          </a:extLst>
         </p:spPr>
       </p:pic>
     </p:spTree>
-    <p:extLst>
-      <p:ext uri="{BB962C8B-B14F-4D97-AF65-F5344CB8AC3E}">
-        <p14:creationId xmlns:p14="http://schemas.microsoft.com/office/powerpoint/2010/main" val="900954478"/>
-      </p:ext>
-    </p:extLst>
   </p:cSld>
   <p:clrMapOvr>
     <a:masterClrMapping/>
@@ -3478,7 +3050,7 @@
     </a:clrScheme>
     <a:fontScheme name="Office">
       <a:majorFont>
-        <a:latin typeface="Calibri Light" panose="020F0302020204030204"/>
+        <a:latin typeface="Calibri Light"/>
         <a:ea typeface=""/>
         <a:cs typeface=""/>
         <a:font script="Jpan" typeface="游ゴシック Light"/>
@@ -3511,26 +3083,9 @@
         <a:font script="Viet" typeface="Times New Roman"/>
         <a:font script="Uigh" typeface="Microsoft Uighur"/>
         <a:font script="Geor" typeface="Sylfaen"/>
-        <a:font script="Armn" typeface="Arial"/>
-        <a:font script="Bugi" typeface="Leelawadee UI"/>
-        <a:font script="Bopo" typeface="Microsoft JhengHei"/>
-        <a:font script="Java" typeface="Javanese Text"/>
-        <a:font script="Lisu" typeface="Segoe UI"/>
-        <a:font script="Mymr" typeface="Myanmar Text"/>
-        <a:font script="Nkoo" typeface="Ebrima"/>
-        <a:font script="Olck" typeface="Nirmala UI"/>
-        <a:font script="Osma" typeface="Ebrima"/>
-        <a:font script="Phag" typeface="Phagspa"/>
-        <a:font script="Syrn" typeface="Estrangelo Edessa"/>
-        <a:font script="Syrj" typeface="Estrangelo Edessa"/>
-        <a:font script="Syre" typeface="Estrangelo Edessa"/>
-        <a:font script="Sora" typeface="Nirmala UI"/>
-        <a:font script="Tale" typeface="Microsoft Tai Le"/>
-        <a:font script="Talu" typeface="Microsoft New Tai Lue"/>
-        <a:font script="Tfng" typeface="Ebrima"/>
       </a:majorFont>
       <a:minorFont>
-        <a:latin typeface="Calibri" panose="020F0502020204030204"/>
+        <a:latin typeface="Calibri"/>
         <a:ea typeface=""/>
         <a:cs typeface=""/>
         <a:font script="Jpan" typeface="游ゴシック"/>
@@ -3563,23 +3118,6 @@
         <a:font script="Viet" typeface="Arial"/>
         <a:font script="Uigh" typeface="Microsoft Uighur"/>
         <a:font script="Geor" typeface="Sylfaen"/>
-        <a:font script="Armn" typeface="Arial"/>
-        <a:font script="Bugi" typeface="Leelawadee UI"/>
-        <a:font script="Bopo" typeface="Microsoft JhengHei"/>
-        <a:font script="Java" typeface="Javanese Text"/>
-        <a:font script="Lisu" typeface="Segoe UI"/>
-        <a:font script="Mymr" typeface="Myanmar Text"/>
-        <a:font script="Nkoo" typeface="Ebrima"/>
-        <a:font script="Olck" typeface="Nirmala UI"/>
-        <a:font script="Osma" typeface="Ebrima"/>
-        <a:font script="Phag" typeface="Phagspa"/>
-        <a:font script="Syrn" typeface="Estrangelo Edessa"/>
-        <a:font script="Syrj" typeface="Estrangelo Edessa"/>
-        <a:font script="Syre" typeface="Estrangelo Edessa"/>
-        <a:font script="Sora" typeface="Nirmala UI"/>
-        <a:font script="Tale" typeface="Microsoft Tai Le"/>
-        <a:font script="Talu" typeface="Microsoft New Tai Lue"/>
-        <a:font script="Tfng" typeface="Ebrima"/>
       </a:minorFont>
     </a:fontScheme>
     <a:fmtScheme name="Office">
@@ -3720,8 +3258,6 @@
       </a:bgFillStyleLst>
     </a:fmtScheme>
   </a:themeElements>
-  <a:objectDefaults/>
-  <a:extraClrSchemeLst/>
   <a:extLst>
     <a:ext uri="{05A4C25C-085E-4340-85A3-A5531E510DB2}">
       <thm15:themeFamily xmlns:thm15="http://schemas.microsoft.com/office/thememl/2012/main" name="Office Theme" id="{62F939B6-93AF-4DB8-9C6B-D6C7DFDC589F}" vid="{4A3C46E8-61CC-4603-A589-7422A47A8E4A}"/>
